--- a/Submissions/jtchernak@comcast.net/Sports Info Solutions Analytics Challenge.pptx
+++ b/Submissions/jtchernak@comcast.net/Sports Info Solutions Analytics Challenge.pptx
@@ -354,7 +354,7 @@
           <a:p>
             <a:fld id="{46AEC1D7-378D-4BB8-8131-26B17AFCD208}" type="datetimeFigureOut">
               <a:rPr lang="en-US" smtClean="0"/>
-              <a:t>7/20/2021</a:t>
+              <a:t>7/21/2021</a:t>
             </a:fld>
             <a:endParaRPr lang="en-US"/>
           </a:p>
@@ -562,7 +562,7 @@
           <a:p>
             <a:fld id="{46AEC1D7-378D-4BB8-8131-26B17AFCD208}" type="datetimeFigureOut">
               <a:rPr lang="en-US" smtClean="0"/>
-              <a:t>7/20/2021</a:t>
+              <a:t>7/21/2021</a:t>
             </a:fld>
             <a:endParaRPr lang="en-US"/>
           </a:p>
@@ -818,7 +818,7 @@
           <a:p>
             <a:fld id="{46AEC1D7-378D-4BB8-8131-26B17AFCD208}" type="datetimeFigureOut">
               <a:rPr lang="en-US" smtClean="0"/>
-              <a:t>7/20/2021</a:t>
+              <a:t>7/21/2021</a:t>
             </a:fld>
             <a:endParaRPr lang="en-US"/>
           </a:p>
@@ -992,7 +992,7 @@
           <a:p>
             <a:fld id="{46AEC1D7-378D-4BB8-8131-26B17AFCD208}" type="datetimeFigureOut">
               <a:rPr lang="en-US" smtClean="0"/>
-              <a:t>7/20/2021</a:t>
+              <a:t>7/21/2021</a:t>
             </a:fld>
             <a:endParaRPr lang="en-US"/>
           </a:p>
@@ -1327,7 +1327,7 @@
           <a:p>
             <a:fld id="{46AEC1D7-378D-4BB8-8131-26B17AFCD208}" type="datetimeFigureOut">
               <a:rPr lang="en-US" smtClean="0"/>
-              <a:t>7/20/2021</a:t>
+              <a:t>7/21/2021</a:t>
             </a:fld>
             <a:endParaRPr lang="en-US"/>
           </a:p>
@@ -1602,7 +1602,7 @@
           <a:p>
             <a:fld id="{46AEC1D7-378D-4BB8-8131-26B17AFCD208}" type="datetimeFigureOut">
               <a:rPr lang="en-US" smtClean="0"/>
-              <a:t>7/20/2021</a:t>
+              <a:t>7/21/2021</a:t>
             </a:fld>
             <a:endParaRPr lang="en-US"/>
           </a:p>
@@ -1981,7 +1981,7 @@
           <a:p>
             <a:fld id="{46AEC1D7-378D-4BB8-8131-26B17AFCD208}" type="datetimeFigureOut">
               <a:rPr lang="en-US" smtClean="0"/>
-              <a:t>7/20/2021</a:t>
+              <a:t>7/21/2021</a:t>
             </a:fld>
             <a:endParaRPr lang="en-US"/>
           </a:p>
@@ -2099,7 +2099,7 @@
           <a:p>
             <a:fld id="{46AEC1D7-378D-4BB8-8131-26B17AFCD208}" type="datetimeFigureOut">
               <a:rPr lang="en-US" smtClean="0"/>
-              <a:t>7/20/2021</a:t>
+              <a:t>7/21/2021</a:t>
             </a:fld>
             <a:endParaRPr lang="en-US"/>
           </a:p>
@@ -2270,7 +2270,7 @@
           <a:p>
             <a:fld id="{46AEC1D7-378D-4BB8-8131-26B17AFCD208}" type="datetimeFigureOut">
               <a:rPr lang="en-US" smtClean="0"/>
-              <a:t>7/20/2021</a:t>
+              <a:t>7/21/2021</a:t>
             </a:fld>
             <a:endParaRPr lang="en-US"/>
           </a:p>
@@ -2624,7 +2624,7 @@
           <a:p>
             <a:fld id="{46AEC1D7-378D-4BB8-8131-26B17AFCD208}" type="datetimeFigureOut">
               <a:rPr lang="en-US" smtClean="0"/>
-              <a:t>7/20/2021</a:t>
+              <a:t>7/21/2021</a:t>
             </a:fld>
             <a:endParaRPr lang="en-US"/>
           </a:p>
@@ -3006,7 +3006,7 @@
           <a:p>
             <a:fld id="{46AEC1D7-378D-4BB8-8131-26B17AFCD208}" type="datetimeFigureOut">
               <a:rPr lang="en-US" smtClean="0"/>
-              <a:t>7/20/2021</a:t>
+              <a:t>7/21/2021</a:t>
             </a:fld>
             <a:endParaRPr lang="en-US"/>
           </a:p>
@@ -3293,7 +3293,7 @@
           <a:p>
             <a:fld id="{46AEC1D7-378D-4BB8-8131-26B17AFCD208}" type="datetimeFigureOut">
               <a:rPr lang="en-US" smtClean="0"/>
-              <a:t>7/20/2021</a:t>
+              <a:t>7/21/2021</a:t>
             </a:fld>
             <a:endParaRPr lang="en-US"/>
           </a:p>
@@ -5767,13 +5767,13 @@
         </p:nvSpPr>
         <p:spPr>
           <a:xfrm>
-            <a:off x="6913984" y="634946"/>
-            <a:ext cx="4635758" cy="1450757"/>
+            <a:off x="8330268" y="634946"/>
+            <a:ext cx="3219474" cy="1450757"/>
           </a:xfrm>
         </p:spPr>
         <p:txBody>
           <a:bodyPr>
-            <a:normAutofit/>
+            <a:normAutofit fontScale="90000"/>
           </a:bodyPr>
           <a:lstStyle/>
           <a:p>
@@ -5812,8 +5812,8 @@
         </p:blipFill>
         <p:spPr>
           <a:xfrm>
-            <a:off x="133856" y="634946"/>
-            <a:ext cx="3536955" cy="5126024"/>
+            <a:off x="199751" y="148089"/>
+            <a:ext cx="4245197" cy="6152462"/>
           </a:xfrm>
           <a:prstGeom prst="rect">
             <a:avLst/>
@@ -5904,8 +5904,8 @@
         </p:blipFill>
         <p:spPr>
           <a:xfrm>
-            <a:off x="3767581" y="634946"/>
-            <a:ext cx="3020871" cy="5299775"/>
+            <a:off x="4561070" y="95365"/>
+            <a:ext cx="3536955" cy="6205186"/>
           </a:xfrm>
           <a:prstGeom prst="rect">
             <a:avLst/>
@@ -5930,13 +5930,13 @@
         </p:nvSpPr>
         <p:spPr>
           <a:xfrm>
-            <a:off x="6913984" y="2198914"/>
-            <a:ext cx="4635758" cy="3670180"/>
+            <a:off x="8430936" y="2198914"/>
+            <a:ext cx="3118806" cy="3670180"/>
           </a:xfrm>
         </p:spPr>
         <p:txBody>
           <a:bodyPr>
-            <a:normAutofit/>
+            <a:normAutofit fontScale="92500" lnSpcReduction="20000"/>
           </a:bodyPr>
           <a:lstStyle/>
           <a:p>

--- a/Submissions/jtchernak@comcast.net/Sports Info Solutions Analytics Challenge.pptx
+++ b/Submissions/jtchernak@comcast.net/Sports Info Solutions Analytics Challenge.pptx
@@ -20,8 +20,9 @@
     <p:sldId id="277" r:id="rId14"/>
     <p:sldId id="280" r:id="rId15"/>
     <p:sldId id="282" r:id="rId16"/>
-    <p:sldId id="279" r:id="rId17"/>
-    <p:sldId id="281" r:id="rId18"/>
+    <p:sldId id="283" r:id="rId17"/>
+    <p:sldId id="279" r:id="rId18"/>
+    <p:sldId id="281" r:id="rId19"/>
   </p:sldIdLst>
   <p:sldSz cx="12192000" cy="6858000"/>
   <p:notesSz cx="6858000" cy="9144000"/>
@@ -5691,6 +5692,424 @@
       </p:grpSpPr>
       <p:sp useBgFill="1">
         <p:nvSpPr>
+          <p:cNvPr id="16" name="Rectangle 15">
+            <a:extLst>
+              <a:ext uri="{FF2B5EF4-FFF2-40B4-BE49-F238E27FC236}">
+                <a16:creationId xmlns:a16="http://schemas.microsoft.com/office/drawing/2014/main" id="{284B70D5-875B-433D-BDBD-1522A85D6C1D}"/>
+              </a:ext>
+              <a:ext uri="{C183D7F6-B498-43B3-948B-1728B52AA6E4}">
+                <adec:decorative xmlns:adec="http://schemas.microsoft.com/office/drawing/2017/decorative" val="1"/>
+              </a:ext>
+            </a:extLst>
+          </p:cNvPr>
+          <p:cNvSpPr>
+            <a:spLocks noGrp="1" noRot="1" noChangeAspect="1" noMove="1" noResize="1" noEditPoints="1" noAdjustHandles="1" noChangeArrowheads="1" noChangeShapeType="1" noTextEdit="1"/>
+          </p:cNvSpPr>
+          <p:nvPr>
+            <p:extLst>
+              <p:ext uri="{386F3935-93C4-4BCD-93E2-E3B085C9AB24}">
+                <p16:designElem xmlns:p16="http://schemas.microsoft.com/office/powerpoint/2015/main" val="1"/>
+              </p:ext>
+            </p:extLst>
+          </p:nvPr>
+        </p:nvSpPr>
+        <p:spPr>
+          <a:xfrm>
+            <a:off x="0" y="0"/>
+            <a:ext cx="12192001" cy="6334316"/>
+          </a:xfrm>
+          <a:prstGeom prst="rect">
+            <a:avLst/>
+          </a:prstGeom>
+          <a:ln>
+            <a:noFill/>
+          </a:ln>
+        </p:spPr>
+        <p:style>
+          <a:lnRef idx="2">
+            <a:schemeClr val="accent1">
+              <a:shade val="50000"/>
+            </a:schemeClr>
+          </a:lnRef>
+          <a:fillRef idx="1">
+            <a:schemeClr val="accent1"/>
+          </a:fillRef>
+          <a:effectRef idx="0">
+            <a:schemeClr val="accent1"/>
+          </a:effectRef>
+          <a:fontRef idx="minor">
+            <a:schemeClr val="lt1"/>
+          </a:fontRef>
+        </p:style>
+        <p:txBody>
+          <a:bodyPr rtlCol="0" anchor="ctr"/>
+          <a:lstStyle/>
+          <a:p>
+            <a:pPr algn="ctr"/>
+            <a:endParaRPr lang="en-US"/>
+          </a:p>
+        </p:txBody>
+      </p:sp>
+      <p:sp>
+        <p:nvSpPr>
+          <p:cNvPr id="2" name="Title 1">
+            <a:extLst>
+              <a:ext uri="{FF2B5EF4-FFF2-40B4-BE49-F238E27FC236}">
+                <a16:creationId xmlns:a16="http://schemas.microsoft.com/office/drawing/2014/main" id="{C1F2AACC-CA0F-4F80-87C5-C579F6688CE2}"/>
+              </a:ext>
+            </a:extLst>
+          </p:cNvPr>
+          <p:cNvSpPr>
+            <a:spLocks noGrp="1"/>
+          </p:cNvSpPr>
+          <p:nvPr>
+            <p:ph type="title"/>
+          </p:nvPr>
+        </p:nvSpPr>
+        <p:spPr>
+          <a:xfrm>
+            <a:off x="7859485" y="634946"/>
+            <a:ext cx="3690257" cy="1450757"/>
+          </a:xfrm>
+        </p:spPr>
+        <p:txBody>
+          <a:bodyPr>
+            <a:normAutofit fontScale="90000"/>
+          </a:bodyPr>
+          <a:lstStyle/>
+          <a:p>
+            <a:r>
+              <a:rPr lang="en-US" sz="3400" dirty="0">
+                <a:latin typeface="Times New Roman" panose="02020603050405020304" pitchFamily="18" charset="0"/>
+                <a:cs typeface="Times New Roman" panose="02020603050405020304" pitchFamily="18" charset="0"/>
+              </a:rPr>
+              <a:t>A High Number of Attempts Does Not Mean the Combo is Effective</a:t>
+            </a:r>
+          </a:p>
+        </p:txBody>
+      </p:sp>
+      <p:pic>
+        <p:nvPicPr>
+          <p:cNvPr id="9" name="Content Placeholder 8">
+            <a:extLst>
+              <a:ext uri="{FF2B5EF4-FFF2-40B4-BE49-F238E27FC236}">
+                <a16:creationId xmlns:a16="http://schemas.microsoft.com/office/drawing/2014/main" id="{69C46C48-7FAE-499A-97D7-D91A95A075B3}"/>
+              </a:ext>
+            </a:extLst>
+          </p:cNvPr>
+          <p:cNvPicPr>
+            <a:picLocks noChangeAspect="1"/>
+          </p:cNvPicPr>
+          <p:nvPr/>
+        </p:nvPicPr>
+        <p:blipFill>
+          <a:blip r:embed="rId2">
+            <a:extLst>
+              <a:ext uri="{28A0092B-C50C-407E-A947-70E740481C1C}">
+                <a14:useLocalDpi xmlns:a14="http://schemas.microsoft.com/office/drawing/2010/main" val="0"/>
+              </a:ext>
+            </a:extLst>
+          </a:blip>
+          <a:srcRect/>
+          <a:stretch/>
+        </p:blipFill>
+        <p:spPr>
+          <a:xfrm>
+            <a:off x="642258" y="501102"/>
+            <a:ext cx="6909797" cy="2666056"/>
+          </a:xfrm>
+          <a:prstGeom prst="rect">
+            <a:avLst/>
+          </a:prstGeom>
+        </p:spPr>
+      </p:pic>
+      <p:cxnSp>
+        <p:nvCxnSpPr>
+          <p:cNvPr id="18" name="Straight Connector 17">
+            <a:extLst>
+              <a:ext uri="{FF2B5EF4-FFF2-40B4-BE49-F238E27FC236}">
+                <a16:creationId xmlns:a16="http://schemas.microsoft.com/office/drawing/2014/main" id="{C947DF4A-614C-4B4C-8B80-E5B9D8E8CFED}"/>
+              </a:ext>
+              <a:ext uri="{C183D7F6-B498-43B3-948B-1728B52AA6E4}">
+                <adec:decorative xmlns:adec="http://schemas.microsoft.com/office/drawing/2017/decorative" val="1"/>
+              </a:ext>
+            </a:extLst>
+          </p:cNvPr>
+          <p:cNvCxnSpPr>
+            <a:cxnSpLocks noGrp="1" noRot="1" noChangeAspect="1" noMove="1" noResize="1" noEditPoints="1" noAdjustHandles="1" noChangeArrowheads="1" noChangeShapeType="1"/>
+          </p:cNvCxnSpPr>
+          <p:nvPr>
+            <p:extLst>
+              <p:ext uri="{386F3935-93C4-4BCD-93E2-E3B085C9AB24}">
+                <p16:designElem xmlns:p16="http://schemas.microsoft.com/office/powerpoint/2015/main" val="1"/>
+              </p:ext>
+            </p:extLst>
+          </p:nvPr>
+        </p:nvCxnSpPr>
+        <p:spPr>
+          <a:xfrm>
+            <a:off x="7892143" y="2085703"/>
+            <a:ext cx="3566160" cy="0"/>
+          </a:xfrm>
+          <a:prstGeom prst="line">
+            <a:avLst/>
+          </a:prstGeom>
+          <a:ln w="6350">
+            <a:solidFill>
+              <a:schemeClr val="tx1">
+                <a:lumMod val="50000"/>
+                <a:lumOff val="50000"/>
+                <a:alpha val="90000"/>
+              </a:schemeClr>
+            </a:solidFill>
+          </a:ln>
+        </p:spPr>
+        <p:style>
+          <a:lnRef idx="1">
+            <a:schemeClr val="accent1"/>
+          </a:lnRef>
+          <a:fillRef idx="0">
+            <a:schemeClr val="accent1"/>
+          </a:fillRef>
+          <a:effectRef idx="0">
+            <a:schemeClr val="accent1"/>
+          </a:effectRef>
+          <a:fontRef idx="minor">
+            <a:schemeClr val="tx1"/>
+          </a:fontRef>
+        </p:style>
+      </p:cxnSp>
+      <p:sp>
+        <p:nvSpPr>
+          <p:cNvPr id="13" name="Content Placeholder 12">
+            <a:extLst>
+              <a:ext uri="{FF2B5EF4-FFF2-40B4-BE49-F238E27FC236}">
+                <a16:creationId xmlns:a16="http://schemas.microsoft.com/office/drawing/2014/main" id="{D617E2B7-9467-4B2D-B136-704A738D5A02}"/>
+              </a:ext>
+            </a:extLst>
+          </p:cNvPr>
+          <p:cNvSpPr>
+            <a:spLocks noGrp="1"/>
+          </p:cNvSpPr>
+          <p:nvPr>
+            <p:ph idx="1"/>
+          </p:nvPr>
+        </p:nvSpPr>
+        <p:spPr>
+          <a:xfrm>
+            <a:off x="7859485" y="2198914"/>
+            <a:ext cx="3690257" cy="3670180"/>
+          </a:xfrm>
+        </p:spPr>
+        <p:txBody>
+          <a:bodyPr>
+            <a:normAutofit/>
+          </a:bodyPr>
+          <a:lstStyle/>
+          <a:p>
+            <a:r>
+              <a:rPr lang="en-US" dirty="0"/>
+              <a:t>If we filter by the top 5 most run combos against Cover 3 &amp; Cover 1, we can see that they are not always the most effective.</a:t>
+            </a:r>
+          </a:p>
+          <a:p>
+            <a:r>
+              <a:rPr lang="en-US" dirty="0"/>
+              <a:t>This implies play calling improvements could possibly </a:t>
+            </a:r>
+            <a:r>
+              <a:rPr lang="en-US"/>
+              <a:t>be made.</a:t>
+            </a:r>
+            <a:endParaRPr lang="en-US" dirty="0"/>
+          </a:p>
+        </p:txBody>
+      </p:sp>
+      <p:sp>
+        <p:nvSpPr>
+          <p:cNvPr id="20" name="Rectangle 19">
+            <a:extLst>
+              <a:ext uri="{FF2B5EF4-FFF2-40B4-BE49-F238E27FC236}">
+                <a16:creationId xmlns:a16="http://schemas.microsoft.com/office/drawing/2014/main" id="{1E299956-A9E7-4FC1-A0B1-D590CA9730E8}"/>
+              </a:ext>
+              <a:ext uri="{C183D7F6-B498-43B3-948B-1728B52AA6E4}">
+                <adec:decorative xmlns:adec="http://schemas.microsoft.com/office/drawing/2017/decorative" val="1"/>
+              </a:ext>
+            </a:extLst>
+          </p:cNvPr>
+          <p:cNvSpPr>
+            <a:spLocks noGrp="1" noRot="1" noChangeAspect="1" noMove="1" noResize="1" noEditPoints="1" noAdjustHandles="1" noChangeArrowheads="1" noChangeShapeType="1" noTextEdit="1"/>
+          </p:cNvSpPr>
+          <p:nvPr>
+            <p:extLst>
+              <p:ext uri="{386F3935-93C4-4BCD-93E2-E3B085C9AB24}">
+                <p16:designElem xmlns:p16="http://schemas.microsoft.com/office/powerpoint/2015/main" val="1"/>
+              </p:ext>
+            </p:extLst>
+          </p:nvPr>
+        </p:nvSpPr>
+        <p:spPr>
+          <a:xfrm>
+            <a:off x="15" y="6334316"/>
+            <a:ext cx="12191985" cy="66484"/>
+          </a:xfrm>
+          <a:prstGeom prst="rect">
+            <a:avLst/>
+          </a:prstGeom>
+          <a:solidFill>
+            <a:schemeClr val="accent1"/>
+          </a:solidFill>
+          <a:ln>
+            <a:noFill/>
+          </a:ln>
+        </p:spPr>
+        <p:style>
+          <a:lnRef idx="2">
+            <a:schemeClr val="accent1">
+              <a:shade val="50000"/>
+            </a:schemeClr>
+          </a:lnRef>
+          <a:fillRef idx="1">
+            <a:schemeClr val="accent1"/>
+          </a:fillRef>
+          <a:effectRef idx="0">
+            <a:schemeClr val="accent1"/>
+          </a:effectRef>
+          <a:fontRef idx="minor">
+            <a:schemeClr val="lt1"/>
+          </a:fontRef>
+        </p:style>
+      </p:sp>
+      <p:sp>
+        <p:nvSpPr>
+          <p:cNvPr id="22" name="Rectangle 21">
+            <a:extLst>
+              <a:ext uri="{FF2B5EF4-FFF2-40B4-BE49-F238E27FC236}">
+                <a16:creationId xmlns:a16="http://schemas.microsoft.com/office/drawing/2014/main" id="{17FC539C-B783-4B03-9F9E-D13430F3F64F}"/>
+              </a:ext>
+              <a:ext uri="{C183D7F6-B498-43B3-948B-1728B52AA6E4}">
+                <adec:decorative xmlns:adec="http://schemas.microsoft.com/office/drawing/2017/decorative" val="1"/>
+              </a:ext>
+            </a:extLst>
+          </p:cNvPr>
+          <p:cNvSpPr>
+            <a:spLocks noGrp="1" noRot="1" noChangeAspect="1" noMove="1" noResize="1" noEditPoints="1" noAdjustHandles="1" noChangeArrowheads="1" noChangeShapeType="1" noTextEdit="1"/>
+          </p:cNvSpPr>
+          <p:nvPr>
+            <p:extLst>
+              <p:ext uri="{386F3935-93C4-4BCD-93E2-E3B085C9AB24}">
+                <p16:designElem xmlns:p16="http://schemas.microsoft.com/office/powerpoint/2015/main" val="1"/>
+              </p:ext>
+            </p:extLst>
+          </p:nvPr>
+        </p:nvSpPr>
+        <p:spPr>
+          <a:xfrm>
+            <a:off x="1" y="6400800"/>
+            <a:ext cx="12192000" cy="457200"/>
+          </a:xfrm>
+          <a:prstGeom prst="rect">
+            <a:avLst/>
+          </a:prstGeom>
+          <a:solidFill>
+            <a:schemeClr val="accent2"/>
+          </a:solidFill>
+          <a:ln>
+            <a:noFill/>
+          </a:ln>
+        </p:spPr>
+        <p:style>
+          <a:lnRef idx="2">
+            <a:schemeClr val="accent1">
+              <a:shade val="50000"/>
+            </a:schemeClr>
+          </a:lnRef>
+          <a:fillRef idx="1">
+            <a:schemeClr val="accent1"/>
+          </a:fillRef>
+          <a:effectRef idx="0">
+            <a:schemeClr val="accent1"/>
+          </a:effectRef>
+          <a:fontRef idx="minor">
+            <a:schemeClr val="lt1"/>
+          </a:fontRef>
+        </p:style>
+      </p:sp>
+      <p:pic>
+        <p:nvPicPr>
+          <p:cNvPr id="10" name="Content Placeholder 8">
+            <a:extLst>
+              <a:ext uri="{FF2B5EF4-FFF2-40B4-BE49-F238E27FC236}">
+                <a16:creationId xmlns:a16="http://schemas.microsoft.com/office/drawing/2014/main" id="{23D697C1-2109-44BC-8778-1970090F4D4F}"/>
+              </a:ext>
+            </a:extLst>
+          </p:cNvPr>
+          <p:cNvPicPr>
+            <a:picLocks noChangeAspect="1"/>
+          </p:cNvPicPr>
+          <p:nvPr/>
+        </p:nvPicPr>
+        <p:blipFill>
+          <a:blip r:embed="rId3">
+            <a:extLst>
+              <a:ext uri="{28A0092B-C50C-407E-A947-70E740481C1C}">
+                <a14:useLocalDpi xmlns:a14="http://schemas.microsoft.com/office/drawing/2010/main" val="0"/>
+              </a:ext>
+            </a:extLst>
+          </a:blip>
+          <a:srcRect/>
+          <a:stretch/>
+        </p:blipFill>
+        <p:spPr>
+          <a:xfrm>
+            <a:off x="642258" y="3233642"/>
+            <a:ext cx="6909795" cy="2666056"/>
+          </a:xfrm>
+          <a:prstGeom prst="rect">
+            <a:avLst/>
+          </a:prstGeom>
+        </p:spPr>
+      </p:pic>
+    </p:spTree>
+    <p:extLst>
+      <p:ext uri="{BB962C8B-B14F-4D97-AF65-F5344CB8AC3E}">
+        <p14:creationId xmlns:p14="http://schemas.microsoft.com/office/powerpoint/2010/main" val="1704345370"/>
+      </p:ext>
+    </p:extLst>
+  </p:cSld>
+  <p:clrMapOvr>
+    <a:masterClrMapping/>
+  </p:clrMapOvr>
+</p:sld>
+</file>
+
+<file path=ppt/slides/slide17.xml><?xml version="1.0" encoding="utf-8"?>
+<p:sld xmlns:a="http://schemas.openxmlformats.org/drawingml/2006/main" xmlns:r="http://schemas.openxmlformats.org/officeDocument/2006/relationships" xmlns:p="http://schemas.openxmlformats.org/presentationml/2006/main">
+  <p:cSld>
+    <p:bg>
+      <p:bgPr>
+        <a:solidFill>
+          <a:schemeClr val="bg1"/>
+        </a:solidFill>
+        <a:effectLst/>
+      </p:bgPr>
+    </p:bg>
+    <p:spTree>
+      <p:nvGrpSpPr>
+        <p:cNvPr id="1" name=""/>
+        <p:cNvGrpSpPr/>
+        <p:nvPr/>
+      </p:nvGrpSpPr>
+      <p:grpSpPr>
+        <a:xfrm>
+          <a:off x="0" y="0"/>
+          <a:ext cx="0" cy="0"/>
+          <a:chOff x="0" y="0"/>
+          <a:chExt cx="0" cy="0"/>
+        </a:xfrm>
+      </p:grpSpPr>
+      <p:sp useBgFill="1">
+        <p:nvSpPr>
           <p:cNvPr id="19" name="Rectangle 18">
             <a:extLst>
               <a:ext uri="{FF2B5EF4-FFF2-40B4-BE49-F238E27FC236}">
@@ -6082,7 +6501,7 @@
 </p:sld>
 </file>
 
-<file path=ppt/slides/slide17.xml><?xml version="1.0" encoding="utf-8"?>
+<file path=ppt/slides/slide18.xml><?xml version="1.0" encoding="utf-8"?>
 <p:sld xmlns:a="http://schemas.openxmlformats.org/drawingml/2006/main" xmlns:r="http://schemas.openxmlformats.org/officeDocument/2006/relationships" xmlns:p="http://schemas.openxmlformats.org/presentationml/2006/main">
   <p:cSld>
     <p:spTree>
